--- a/meeting/Pre/20240504_Summary.pptx
+++ b/meeting/Pre/20240504_Summary.pptx
@@ -5,7 +5,7 @@
     <p:sldMasterId id="2147483648" r:id="rId1"/>
   </p:sldMasterIdLst>
   <p:notesMasterIdLst>
-    <p:notesMasterId r:id="rId19"/>
+    <p:notesMasterId r:id="rId20"/>
   </p:notesMasterIdLst>
   <p:sldIdLst>
     <p:sldId id="276" r:id="rId2"/>
@@ -16,15 +16,16 @@
     <p:sldId id="259" r:id="rId7"/>
     <p:sldId id="257" r:id="rId8"/>
     <p:sldId id="261" r:id="rId9"/>
-    <p:sldId id="267" r:id="rId10"/>
-    <p:sldId id="268" r:id="rId11"/>
-    <p:sldId id="269" r:id="rId12"/>
-    <p:sldId id="270" r:id="rId13"/>
-    <p:sldId id="272" r:id="rId14"/>
-    <p:sldId id="271" r:id="rId15"/>
-    <p:sldId id="263" r:id="rId16"/>
-    <p:sldId id="275" r:id="rId17"/>
-    <p:sldId id="264" r:id="rId18"/>
+    <p:sldId id="278" r:id="rId10"/>
+    <p:sldId id="267" r:id="rId11"/>
+    <p:sldId id="268" r:id="rId12"/>
+    <p:sldId id="269" r:id="rId13"/>
+    <p:sldId id="270" r:id="rId14"/>
+    <p:sldId id="272" r:id="rId15"/>
+    <p:sldId id="271" r:id="rId16"/>
+    <p:sldId id="263" r:id="rId17"/>
+    <p:sldId id="275" r:id="rId18"/>
+    <p:sldId id="264" r:id="rId19"/>
   </p:sldIdLst>
   <p:sldSz cx="12192000" cy="6858000"/>
   <p:notesSz cx="6858000" cy="9144000"/>
@@ -136,6 +137,7 @@
             <p14:sldId id="259"/>
             <p14:sldId id="257"/>
             <p14:sldId id="261"/>
+            <p14:sldId id="278"/>
           </p14:sldIdLst>
         </p14:section>
         <p14:section name="Lipidomics" id="{3B7B00E3-97C4-48E3-9393-B9182E02CDD4}">
@@ -262,7 +264,7 @@
           <a:p>
             <a:fld id="{746D6780-4DD6-4B20-9EFA-1F362F15E028}" type="datetimeFigureOut">
               <a:rPr lang="zh-CN" altLang="en-US" smtClean="0"/>
-              <a:t>2024/5/24</a:t>
+              <a:t>2024/8/14</a:t>
             </a:fld>
             <a:endParaRPr lang="zh-CN" altLang="en-US"/>
           </a:p>
@@ -844,7 +846,7 @@
           <a:p>
             <a:fld id="{3D4DC72B-D8B5-4E19-8A86-85C120042FAE}" type="datetimeFigureOut">
               <a:rPr lang="zh-CN" altLang="en-US" smtClean="0"/>
-              <a:t>2024/5/24</a:t>
+              <a:t>2024/8/14</a:t>
             </a:fld>
             <a:endParaRPr lang="zh-CN" altLang="en-US"/>
           </a:p>
@@ -1042,7 +1044,7 @@
           <a:p>
             <a:fld id="{3D4DC72B-D8B5-4E19-8A86-85C120042FAE}" type="datetimeFigureOut">
               <a:rPr lang="zh-CN" altLang="en-US" smtClean="0"/>
-              <a:t>2024/5/24</a:t>
+              <a:t>2024/8/14</a:t>
             </a:fld>
             <a:endParaRPr lang="zh-CN" altLang="en-US"/>
           </a:p>
@@ -1250,7 +1252,7 @@
           <a:p>
             <a:fld id="{3D4DC72B-D8B5-4E19-8A86-85C120042FAE}" type="datetimeFigureOut">
               <a:rPr lang="zh-CN" altLang="en-US" smtClean="0"/>
-              <a:t>2024/5/24</a:t>
+              <a:t>2024/8/14</a:t>
             </a:fld>
             <a:endParaRPr lang="zh-CN" altLang="en-US"/>
           </a:p>
@@ -1448,7 +1450,7 @@
           <a:p>
             <a:fld id="{3D4DC72B-D8B5-4E19-8A86-85C120042FAE}" type="datetimeFigureOut">
               <a:rPr lang="zh-CN" altLang="en-US" smtClean="0"/>
-              <a:t>2024/5/24</a:t>
+              <a:t>2024/8/14</a:t>
             </a:fld>
             <a:endParaRPr lang="zh-CN" altLang="en-US"/>
           </a:p>
@@ -1723,7 +1725,7 @@
           <a:p>
             <a:fld id="{3D4DC72B-D8B5-4E19-8A86-85C120042FAE}" type="datetimeFigureOut">
               <a:rPr lang="zh-CN" altLang="en-US" smtClean="0"/>
-              <a:t>2024/5/24</a:t>
+              <a:t>2024/8/14</a:t>
             </a:fld>
             <a:endParaRPr lang="zh-CN" altLang="en-US"/>
           </a:p>
@@ -1988,7 +1990,7 @@
           <a:p>
             <a:fld id="{3D4DC72B-D8B5-4E19-8A86-85C120042FAE}" type="datetimeFigureOut">
               <a:rPr lang="zh-CN" altLang="en-US" smtClean="0"/>
-              <a:t>2024/5/24</a:t>
+              <a:t>2024/8/14</a:t>
             </a:fld>
             <a:endParaRPr lang="zh-CN" altLang="en-US"/>
           </a:p>
@@ -2400,7 +2402,7 @@
           <a:p>
             <a:fld id="{3D4DC72B-D8B5-4E19-8A86-85C120042FAE}" type="datetimeFigureOut">
               <a:rPr lang="zh-CN" altLang="en-US" smtClean="0"/>
-              <a:t>2024/5/24</a:t>
+              <a:t>2024/8/14</a:t>
             </a:fld>
             <a:endParaRPr lang="zh-CN" altLang="en-US"/>
           </a:p>
@@ -2541,7 +2543,7 @@
           <a:p>
             <a:fld id="{3D4DC72B-D8B5-4E19-8A86-85C120042FAE}" type="datetimeFigureOut">
               <a:rPr lang="zh-CN" altLang="en-US" smtClean="0"/>
-              <a:t>2024/5/24</a:t>
+              <a:t>2024/8/14</a:t>
             </a:fld>
             <a:endParaRPr lang="zh-CN" altLang="en-US"/>
           </a:p>
@@ -2654,7 +2656,7 @@
           <a:p>
             <a:fld id="{3D4DC72B-D8B5-4E19-8A86-85C120042FAE}" type="datetimeFigureOut">
               <a:rPr lang="zh-CN" altLang="en-US" smtClean="0"/>
-              <a:t>2024/5/24</a:t>
+              <a:t>2024/8/14</a:t>
             </a:fld>
             <a:endParaRPr lang="zh-CN" altLang="en-US"/>
           </a:p>
@@ -2965,7 +2967,7 @@
           <a:p>
             <a:fld id="{3D4DC72B-D8B5-4E19-8A86-85C120042FAE}" type="datetimeFigureOut">
               <a:rPr lang="zh-CN" altLang="en-US" smtClean="0"/>
-              <a:t>2024/5/24</a:t>
+              <a:t>2024/8/14</a:t>
             </a:fld>
             <a:endParaRPr lang="zh-CN" altLang="en-US"/>
           </a:p>
@@ -3253,7 +3255,7 @@
           <a:p>
             <a:fld id="{3D4DC72B-D8B5-4E19-8A86-85C120042FAE}" type="datetimeFigureOut">
               <a:rPr lang="zh-CN" altLang="en-US" smtClean="0"/>
-              <a:t>2024/5/24</a:t>
+              <a:t>2024/8/14</a:t>
             </a:fld>
             <a:endParaRPr lang="zh-CN" altLang="en-US"/>
           </a:p>
@@ -3494,7 +3496,7 @@
           <a:p>
             <a:fld id="{3D4DC72B-D8B5-4E19-8A86-85C120042FAE}" type="datetimeFigureOut">
               <a:rPr lang="zh-CN" altLang="en-US" smtClean="0"/>
-              <a:t>2024/5/24</a:t>
+              <a:t>2024/8/14</a:t>
             </a:fld>
             <a:endParaRPr lang="zh-CN" altLang="en-US"/>
           </a:p>
@@ -4006,6 +4008,90 @@
           <p:cNvPr id="2" name="标题 1">
             <a:extLst>
               <a:ext uri="{FF2B5EF4-FFF2-40B4-BE49-F238E27FC236}">
+                <a16:creationId xmlns:a16="http://schemas.microsoft.com/office/drawing/2014/main" id="{026B6634-6F2B-1441-6F65-73637C269FC7}"/>
+              </a:ext>
+            </a:extLst>
+          </p:cNvPr>
+          <p:cNvSpPr>
+            <a:spLocks noGrp="1"/>
+          </p:cNvSpPr>
+          <p:nvPr>
+            <p:ph type="title"/>
+          </p:nvPr>
+        </p:nvSpPr>
+        <p:spPr/>
+        <p:txBody>
+          <a:bodyPr/>
+          <a:lstStyle/>
+          <a:p>
+            <a:r>
+              <a:rPr lang="en-US" altLang="zh-CN"/>
+              <a:t>Lipidomic Subtyping</a:t>
+            </a:r>
+            <a:endParaRPr lang="zh-CN" altLang="en-US"/>
+          </a:p>
+        </p:txBody>
+      </p:sp>
+      <p:sp>
+        <p:nvSpPr>
+          <p:cNvPr id="3" name="文本占位符 2">
+            <a:extLst>
+              <a:ext uri="{FF2B5EF4-FFF2-40B4-BE49-F238E27FC236}">
+                <a16:creationId xmlns:a16="http://schemas.microsoft.com/office/drawing/2014/main" id="{147A1A4A-9C2B-423B-288A-1E11090A65CE}"/>
+              </a:ext>
+            </a:extLst>
+          </p:cNvPr>
+          <p:cNvSpPr>
+            <a:spLocks noGrp="1"/>
+          </p:cNvSpPr>
+          <p:nvPr>
+            <p:ph type="body" idx="1"/>
+          </p:nvPr>
+        </p:nvSpPr>
+        <p:spPr/>
+        <p:txBody>
+          <a:bodyPr/>
+          <a:lstStyle/>
+          <a:p>
+            <a:endParaRPr lang="zh-CN" altLang="en-US"/>
+          </a:p>
+        </p:txBody>
+      </p:sp>
+    </p:spTree>
+    <p:extLst>
+      <p:ext uri="{BB962C8B-B14F-4D97-AF65-F5344CB8AC3E}">
+        <p14:creationId xmlns:p14="http://schemas.microsoft.com/office/powerpoint/2010/main" val="3457961612"/>
+      </p:ext>
+    </p:extLst>
+  </p:cSld>
+  <p:clrMapOvr>
+    <a:masterClrMapping/>
+  </p:clrMapOvr>
+</p:sld>
+</file>
+
+<file path=ppt/slides/slide11.xml><?xml version="1.0" encoding="utf-8"?>
+<p:sld xmlns:a="http://schemas.openxmlformats.org/drawingml/2006/main" xmlns:r="http://schemas.openxmlformats.org/officeDocument/2006/relationships" xmlns:p="http://schemas.openxmlformats.org/presentationml/2006/main">
+  <p:cSld>
+    <p:spTree>
+      <p:nvGrpSpPr>
+        <p:cNvPr id="1" name=""/>
+        <p:cNvGrpSpPr/>
+        <p:nvPr/>
+      </p:nvGrpSpPr>
+      <p:grpSpPr>
+        <a:xfrm>
+          <a:off x="0" y="0"/>
+          <a:ext cx="0" cy="0"/>
+          <a:chOff x="0" y="0"/>
+          <a:chExt cx="0" cy="0"/>
+        </a:xfrm>
+      </p:grpSpPr>
+      <p:sp>
+        <p:nvSpPr>
+          <p:cNvPr id="2" name="标题 1">
+            <a:extLst>
+              <a:ext uri="{FF2B5EF4-FFF2-40B4-BE49-F238E27FC236}">
                 <a16:creationId xmlns:a16="http://schemas.microsoft.com/office/drawing/2014/main" id="{66A88D1A-202B-AB3F-A8D2-86DB18F0CB53}"/>
               </a:ext>
             </a:extLst>
@@ -4119,7 +4205,7 @@
 </p:sld>
 </file>
 
-<file path=ppt/slides/slide11.xml><?xml version="1.0" encoding="utf-8"?>
+<file path=ppt/slides/slide12.xml><?xml version="1.0" encoding="utf-8"?>
 <p:sld xmlns:a="http://schemas.openxmlformats.org/drawingml/2006/main" xmlns:r="http://schemas.openxmlformats.org/officeDocument/2006/relationships" xmlns:p="http://schemas.openxmlformats.org/presentationml/2006/main">
   <p:cSld>
     <p:spTree>
@@ -4250,7 +4336,7 @@
 </p:sld>
 </file>
 
-<file path=ppt/slides/slide12.xml><?xml version="1.0" encoding="utf-8"?>
+<file path=ppt/slides/slide13.xml><?xml version="1.0" encoding="utf-8"?>
 <p:sld xmlns:a="http://schemas.openxmlformats.org/drawingml/2006/main" xmlns:r="http://schemas.openxmlformats.org/officeDocument/2006/relationships" xmlns:p="http://schemas.openxmlformats.org/presentationml/2006/main">
   <p:cSld>
     <p:spTree>
@@ -4338,90 +4424,6 @@
 </p:sld>
 </file>
 
-<file path=ppt/slides/slide13.xml><?xml version="1.0" encoding="utf-8"?>
-<p:sld xmlns:a="http://schemas.openxmlformats.org/drawingml/2006/main" xmlns:r="http://schemas.openxmlformats.org/officeDocument/2006/relationships" xmlns:p="http://schemas.openxmlformats.org/presentationml/2006/main">
-  <p:cSld>
-    <p:spTree>
-      <p:nvGrpSpPr>
-        <p:cNvPr id="1" name=""/>
-        <p:cNvGrpSpPr/>
-        <p:nvPr/>
-      </p:nvGrpSpPr>
-      <p:grpSpPr>
-        <a:xfrm>
-          <a:off x="0" y="0"/>
-          <a:ext cx="0" cy="0"/>
-          <a:chOff x="0" y="0"/>
-          <a:chExt cx="0" cy="0"/>
-        </a:xfrm>
-      </p:grpSpPr>
-      <p:sp>
-        <p:nvSpPr>
-          <p:cNvPr id="2" name="标题 1">
-            <a:extLst>
-              <a:ext uri="{FF2B5EF4-FFF2-40B4-BE49-F238E27FC236}">
-                <a16:creationId xmlns:a16="http://schemas.microsoft.com/office/drawing/2014/main" id="{026B6634-6F2B-1441-6F65-73637C269FC7}"/>
-              </a:ext>
-            </a:extLst>
-          </p:cNvPr>
-          <p:cNvSpPr>
-            <a:spLocks noGrp="1"/>
-          </p:cNvSpPr>
-          <p:nvPr>
-            <p:ph type="title"/>
-          </p:nvPr>
-        </p:nvSpPr>
-        <p:spPr/>
-        <p:txBody>
-          <a:bodyPr/>
-          <a:lstStyle/>
-          <a:p>
-            <a:r>
-              <a:rPr lang="en-US" altLang="zh-CN"/>
-              <a:t>RNA Analysis</a:t>
-            </a:r>
-            <a:endParaRPr lang="zh-CN" altLang="en-US"/>
-          </a:p>
-        </p:txBody>
-      </p:sp>
-      <p:sp>
-        <p:nvSpPr>
-          <p:cNvPr id="3" name="文本占位符 2">
-            <a:extLst>
-              <a:ext uri="{FF2B5EF4-FFF2-40B4-BE49-F238E27FC236}">
-                <a16:creationId xmlns:a16="http://schemas.microsoft.com/office/drawing/2014/main" id="{147A1A4A-9C2B-423B-288A-1E11090A65CE}"/>
-              </a:ext>
-            </a:extLst>
-          </p:cNvPr>
-          <p:cNvSpPr>
-            <a:spLocks noGrp="1"/>
-          </p:cNvSpPr>
-          <p:nvPr>
-            <p:ph type="body" idx="1"/>
-          </p:nvPr>
-        </p:nvSpPr>
-        <p:spPr/>
-        <p:txBody>
-          <a:bodyPr/>
-          <a:lstStyle/>
-          <a:p>
-            <a:endParaRPr lang="zh-CN" altLang="en-US"/>
-          </a:p>
-        </p:txBody>
-      </p:sp>
-    </p:spTree>
-    <p:extLst>
-      <p:ext uri="{BB962C8B-B14F-4D97-AF65-F5344CB8AC3E}">
-        <p14:creationId xmlns:p14="http://schemas.microsoft.com/office/powerpoint/2010/main" val="388820549"/>
-      </p:ext>
-    </p:extLst>
-  </p:cSld>
-  <p:clrMapOvr>
-    <a:masterClrMapping/>
-  </p:clrMapOvr>
-</p:sld>
-</file>
-
 <file path=ppt/slides/slide14.xml><?xml version="1.0" encoding="utf-8"?>
 <p:sld xmlns:a="http://schemas.openxmlformats.org/drawingml/2006/main" xmlns:r="http://schemas.openxmlformats.org/officeDocument/2006/relationships" xmlns:p="http://schemas.openxmlformats.org/presentationml/2006/main">
   <p:cSld>
@@ -4444,6 +4446,90 @@
           <p:cNvPr id="2" name="标题 1">
             <a:extLst>
               <a:ext uri="{FF2B5EF4-FFF2-40B4-BE49-F238E27FC236}">
+                <a16:creationId xmlns:a16="http://schemas.microsoft.com/office/drawing/2014/main" id="{026B6634-6F2B-1441-6F65-73637C269FC7}"/>
+              </a:ext>
+            </a:extLst>
+          </p:cNvPr>
+          <p:cNvSpPr>
+            <a:spLocks noGrp="1"/>
+          </p:cNvSpPr>
+          <p:nvPr>
+            <p:ph type="title"/>
+          </p:nvPr>
+        </p:nvSpPr>
+        <p:spPr/>
+        <p:txBody>
+          <a:bodyPr/>
+          <a:lstStyle/>
+          <a:p>
+            <a:r>
+              <a:rPr lang="en-US" altLang="zh-CN"/>
+              <a:t>RNA Analysis</a:t>
+            </a:r>
+            <a:endParaRPr lang="zh-CN" altLang="en-US"/>
+          </a:p>
+        </p:txBody>
+      </p:sp>
+      <p:sp>
+        <p:nvSpPr>
+          <p:cNvPr id="3" name="文本占位符 2">
+            <a:extLst>
+              <a:ext uri="{FF2B5EF4-FFF2-40B4-BE49-F238E27FC236}">
+                <a16:creationId xmlns:a16="http://schemas.microsoft.com/office/drawing/2014/main" id="{147A1A4A-9C2B-423B-288A-1E11090A65CE}"/>
+              </a:ext>
+            </a:extLst>
+          </p:cNvPr>
+          <p:cNvSpPr>
+            <a:spLocks noGrp="1"/>
+          </p:cNvSpPr>
+          <p:nvPr>
+            <p:ph type="body" idx="1"/>
+          </p:nvPr>
+        </p:nvSpPr>
+        <p:spPr/>
+        <p:txBody>
+          <a:bodyPr/>
+          <a:lstStyle/>
+          <a:p>
+            <a:endParaRPr lang="zh-CN" altLang="en-US"/>
+          </a:p>
+        </p:txBody>
+      </p:sp>
+    </p:spTree>
+    <p:extLst>
+      <p:ext uri="{BB962C8B-B14F-4D97-AF65-F5344CB8AC3E}">
+        <p14:creationId xmlns:p14="http://schemas.microsoft.com/office/powerpoint/2010/main" val="388820549"/>
+      </p:ext>
+    </p:extLst>
+  </p:cSld>
+  <p:clrMapOvr>
+    <a:masterClrMapping/>
+  </p:clrMapOvr>
+</p:sld>
+</file>
+
+<file path=ppt/slides/slide15.xml><?xml version="1.0" encoding="utf-8"?>
+<p:sld xmlns:a="http://schemas.openxmlformats.org/drawingml/2006/main" xmlns:r="http://schemas.openxmlformats.org/officeDocument/2006/relationships" xmlns:p="http://schemas.openxmlformats.org/presentationml/2006/main">
+  <p:cSld>
+    <p:spTree>
+      <p:nvGrpSpPr>
+        <p:cNvPr id="1" name=""/>
+        <p:cNvGrpSpPr/>
+        <p:nvPr/>
+      </p:nvGrpSpPr>
+      <p:grpSpPr>
+        <a:xfrm>
+          <a:off x="0" y="0"/>
+          <a:ext cx="0" cy="0"/>
+          <a:chOff x="0" y="0"/>
+          <a:chExt cx="0" cy="0"/>
+        </a:xfrm>
+      </p:grpSpPr>
+      <p:sp>
+        <p:nvSpPr>
+          <p:cNvPr id="2" name="标题 1">
+            <a:extLst>
+              <a:ext uri="{FF2B5EF4-FFF2-40B4-BE49-F238E27FC236}">
                 <a16:creationId xmlns:a16="http://schemas.microsoft.com/office/drawing/2014/main" id="{66A88D1A-202B-AB3F-A8D2-86DB18F0CB53}"/>
               </a:ext>
             </a:extLst>
@@ -4589,7 +4675,7 @@
 </p:sld>
 </file>
 
-<file path=ppt/slides/slide15.xml><?xml version="1.0" encoding="utf-8"?>
+<file path=ppt/slides/slide16.xml><?xml version="1.0" encoding="utf-8"?>
 <p:sld xmlns:a="http://schemas.openxmlformats.org/drawingml/2006/main" xmlns:r="http://schemas.openxmlformats.org/officeDocument/2006/relationships" xmlns:p="http://schemas.openxmlformats.org/presentationml/2006/main">
   <p:cSld>
     <p:spTree>
@@ -4738,7 +4824,7 @@
 </p:sld>
 </file>
 
-<file path=ppt/slides/slide16.xml><?xml version="1.0" encoding="utf-8"?>
+<file path=ppt/slides/slide17.xml><?xml version="1.0" encoding="utf-8"?>
 <p:sld xmlns:a="http://schemas.openxmlformats.org/drawingml/2006/main" xmlns:r="http://schemas.openxmlformats.org/officeDocument/2006/relationships" xmlns:p="http://schemas.openxmlformats.org/presentationml/2006/main">
   <p:cSld>
     <p:spTree>
@@ -4887,7 +4973,7 @@
 </p:sld>
 </file>
 
-<file path=ppt/slides/slide17.xml><?xml version="1.0" encoding="utf-8"?>
+<file path=ppt/slides/slide18.xml><?xml version="1.0" encoding="utf-8"?>
 <p:sld xmlns:a="http://schemas.openxmlformats.org/drawingml/2006/main" xmlns:r="http://schemas.openxmlformats.org/officeDocument/2006/relationships" xmlns:p="http://schemas.openxmlformats.org/presentationml/2006/main" show="0">
   <p:cSld>
     <p:spTree>
@@ -5870,10 +5956,10 @@
           <a:lstStyle/>
           <a:p>
             <a:r>
-              <a:rPr lang="en-US" altLang="zh-CN"/>
-              <a:t>KEGG Pathway</a:t>
-            </a:r>
-            <a:endParaRPr lang="zh-CN" altLang="en-US"/>
+              <a:rPr lang="en-US" altLang="zh-CN" dirty="0"/>
+              <a:t>KEGG Enrichment</a:t>
+            </a:r>
+            <a:endParaRPr lang="zh-CN" altLang="en-US" dirty="0"/>
           </a:p>
         </p:txBody>
       </p:sp>
@@ -5899,8 +5985,38 @@
         </p:blipFill>
         <p:spPr>
           <a:xfrm>
-            <a:off x="2160395" y="1791172"/>
-            <a:ext cx="8139372" cy="4549338"/>
+            <a:off x="235902" y="2556716"/>
+            <a:ext cx="5537577" cy="3095117"/>
+          </a:xfrm>
+          <a:prstGeom prst="rect">
+            <a:avLst/>
+          </a:prstGeom>
+        </p:spPr>
+      </p:pic>
+      <p:pic>
+        <p:nvPicPr>
+          <p:cNvPr id="3" name="Picture 2">
+            <a:extLst>
+              <a:ext uri="{FF2B5EF4-FFF2-40B4-BE49-F238E27FC236}">
+                <a16:creationId xmlns:a16="http://schemas.microsoft.com/office/drawing/2014/main" id="{E64A0E34-9F15-07CF-08FA-FD8484B42B64}"/>
+              </a:ext>
+            </a:extLst>
+          </p:cNvPr>
+          <p:cNvPicPr>
+            <a:picLocks noChangeAspect="1"/>
+          </p:cNvPicPr>
+          <p:nvPr/>
+        </p:nvPicPr>
+        <p:blipFill>
+          <a:blip r:embed="rId3"/>
+          <a:stretch>
+            <a:fillRect/>
+          </a:stretch>
+        </p:blipFill>
+        <p:spPr>
+          <a:xfrm>
+            <a:off x="5226492" y="1499669"/>
+            <a:ext cx="6578821" cy="4594448"/>
           </a:xfrm>
           <a:prstGeom prst="rect">
             <a:avLst/>
@@ -5939,10 +6055,10 @@
       </p:grpSpPr>
       <p:sp>
         <p:nvSpPr>
-          <p:cNvPr id="2" name="标题 1">
-            <a:extLst>
-              <a:ext uri="{FF2B5EF4-FFF2-40B4-BE49-F238E27FC236}">
-                <a16:creationId xmlns:a16="http://schemas.microsoft.com/office/drawing/2014/main" id="{026B6634-6F2B-1441-6F65-73637C269FC7}"/>
+          <p:cNvPr id="2" name="Title 1">
+            <a:extLst>
+              <a:ext uri="{FF2B5EF4-FFF2-40B4-BE49-F238E27FC236}">
+                <a16:creationId xmlns:a16="http://schemas.microsoft.com/office/drawing/2014/main" id="{2D612391-C3B0-F3A2-9013-8BD8EF1E163B}"/>
               </a:ext>
             </a:extLst>
           </p:cNvPr>
@@ -5959,42 +6075,46 @@
           <a:lstStyle/>
           <a:p>
             <a:r>
-              <a:rPr lang="en-US" altLang="zh-CN"/>
-              <a:t>Lipidomic Subtyping</a:t>
-            </a:r>
-            <a:endParaRPr lang="zh-CN" altLang="en-US"/>
-          </a:p>
-        </p:txBody>
-      </p:sp>
-      <p:sp>
-        <p:nvSpPr>
-          <p:cNvPr id="3" name="文本占位符 2">
-            <a:extLst>
-              <a:ext uri="{FF2B5EF4-FFF2-40B4-BE49-F238E27FC236}">
-                <a16:creationId xmlns:a16="http://schemas.microsoft.com/office/drawing/2014/main" id="{147A1A4A-9C2B-423B-288A-1E11090A65CE}"/>
-              </a:ext>
-            </a:extLst>
-          </p:cNvPr>
-          <p:cNvSpPr>
-            <a:spLocks noGrp="1"/>
-          </p:cNvSpPr>
-          <p:nvPr>
-            <p:ph type="body" idx="1"/>
-          </p:nvPr>
-        </p:nvSpPr>
-        <p:spPr/>
-        <p:txBody>
-          <a:bodyPr/>
-          <a:lstStyle/>
-          <a:p>
-            <a:endParaRPr lang="zh-CN" altLang="en-US"/>
-          </a:p>
-        </p:txBody>
-      </p:sp>
+              <a:rPr lang="en-US" dirty="0"/>
+              <a:t>Pathway</a:t>
+            </a:r>
+          </a:p>
+        </p:txBody>
+      </p:sp>
+      <p:pic>
+        <p:nvPicPr>
+          <p:cNvPr id="4" name="Picture 3">
+            <a:extLst>
+              <a:ext uri="{FF2B5EF4-FFF2-40B4-BE49-F238E27FC236}">
+                <a16:creationId xmlns:a16="http://schemas.microsoft.com/office/drawing/2014/main" id="{468889EE-33A5-7DF5-0C80-E53DFC6C3906}"/>
+              </a:ext>
+            </a:extLst>
+          </p:cNvPr>
+          <p:cNvPicPr>
+            <a:picLocks noChangeAspect="1"/>
+          </p:cNvPicPr>
+          <p:nvPr/>
+        </p:nvPicPr>
+        <p:blipFill>
+          <a:blip r:embed="rId2"/>
+          <a:stretch>
+            <a:fillRect/>
+          </a:stretch>
+        </p:blipFill>
+        <p:spPr>
+          <a:xfrm>
+            <a:off x="3759199" y="1797050"/>
+            <a:ext cx="7149805" cy="4993206"/>
+          </a:xfrm>
+          <a:prstGeom prst="rect">
+            <a:avLst/>
+          </a:prstGeom>
+        </p:spPr>
+      </p:pic>
     </p:spTree>
     <p:extLst>
       <p:ext uri="{BB962C8B-B14F-4D97-AF65-F5344CB8AC3E}">
-        <p14:creationId xmlns:p14="http://schemas.microsoft.com/office/powerpoint/2010/main" val="3457961612"/>
+        <p14:creationId xmlns:p14="http://schemas.microsoft.com/office/powerpoint/2010/main" val="1314083170"/>
       </p:ext>
     </p:extLst>
   </p:cSld>
